--- a/22 - All Creatures of our God and King.pptx
+++ b/22 - All Creatures of our God and King.pptx
@@ -115,10 +115,6 @@
 </p:presentation>
 </file>
 
-<file path=ppt/revisionInfo.xml><?xml version="1.0" encoding="utf-8"?>
-<p1510:revInfo xmlns:a="http://schemas.openxmlformats.org/drawingml/2006/main" xmlns:r="http://schemas.openxmlformats.org/officeDocument/2006/relationships" xmlns:p1510="http://schemas.microsoft.com/office/powerpoint/2015/10/main"/>
-</file>
-
 <file path=ppt/slideLayouts/slideLayout1.xml><?xml version="1.0" encoding="utf-8"?>
 <p:sldLayout xmlns:a="http://schemas.openxmlformats.org/drawingml/2006/main" xmlns:r="http://schemas.openxmlformats.org/officeDocument/2006/relationships" xmlns:p="http://schemas.openxmlformats.org/presentationml/2006/main" type="title" preserve="1">
   <p:cSld name="Title Slide">
@@ -248,7 +244,7 @@
           <a:p>
             <a:fld id="{32F7251A-AE54-443C-B8FE-5F636E835EBF}" type="datetimeFigureOut">
               <a:rPr lang="en-US" smtClean="0"/>
-              <a:t>7/16/2017</a:t>
+              <a:t>1/27/2019</a:t>
             </a:fld>
             <a:endParaRPr lang="en-US"/>
           </a:p>
@@ -416,7 +412,7 @@
           <a:p>
             <a:fld id="{32F7251A-AE54-443C-B8FE-5F636E835EBF}" type="datetimeFigureOut">
               <a:rPr lang="en-US" smtClean="0"/>
-              <a:t>7/16/2017</a:t>
+              <a:t>1/27/2019</a:t>
             </a:fld>
             <a:endParaRPr lang="en-US"/>
           </a:p>
@@ -594,7 +590,7 @@
           <a:p>
             <a:fld id="{32F7251A-AE54-443C-B8FE-5F636E835EBF}" type="datetimeFigureOut">
               <a:rPr lang="en-US" smtClean="0"/>
-              <a:t>7/16/2017</a:t>
+              <a:t>1/27/2019</a:t>
             </a:fld>
             <a:endParaRPr lang="en-US"/>
           </a:p>
@@ -762,7 +758,7 @@
           <a:p>
             <a:fld id="{32F7251A-AE54-443C-B8FE-5F636E835EBF}" type="datetimeFigureOut">
               <a:rPr lang="en-US" smtClean="0"/>
-              <a:t>7/16/2017</a:t>
+              <a:t>1/27/2019</a:t>
             </a:fld>
             <a:endParaRPr lang="en-US"/>
           </a:p>
@@ -1007,7 +1003,7 @@
           <a:p>
             <a:fld id="{32F7251A-AE54-443C-B8FE-5F636E835EBF}" type="datetimeFigureOut">
               <a:rPr lang="en-US" smtClean="0"/>
-              <a:t>7/16/2017</a:t>
+              <a:t>1/27/2019</a:t>
             </a:fld>
             <a:endParaRPr lang="en-US"/>
           </a:p>
@@ -1236,7 +1232,7 @@
           <a:p>
             <a:fld id="{32F7251A-AE54-443C-B8FE-5F636E835EBF}" type="datetimeFigureOut">
               <a:rPr lang="en-US" smtClean="0"/>
-              <a:t>7/16/2017</a:t>
+              <a:t>1/27/2019</a:t>
             </a:fld>
             <a:endParaRPr lang="en-US"/>
           </a:p>
@@ -1600,7 +1596,7 @@
           <a:p>
             <a:fld id="{32F7251A-AE54-443C-B8FE-5F636E835EBF}" type="datetimeFigureOut">
               <a:rPr lang="en-US" smtClean="0"/>
-              <a:t>7/16/2017</a:t>
+              <a:t>1/27/2019</a:t>
             </a:fld>
             <a:endParaRPr lang="en-US"/>
           </a:p>
@@ -1717,7 +1713,7 @@
           <a:p>
             <a:fld id="{32F7251A-AE54-443C-B8FE-5F636E835EBF}" type="datetimeFigureOut">
               <a:rPr lang="en-US" smtClean="0"/>
-              <a:t>7/16/2017</a:t>
+              <a:t>1/27/2019</a:t>
             </a:fld>
             <a:endParaRPr lang="en-US"/>
           </a:p>
@@ -1812,7 +1808,7 @@
           <a:p>
             <a:fld id="{32F7251A-AE54-443C-B8FE-5F636E835EBF}" type="datetimeFigureOut">
               <a:rPr lang="en-US" smtClean="0"/>
-              <a:t>7/16/2017</a:t>
+              <a:t>1/27/2019</a:t>
             </a:fld>
             <a:endParaRPr lang="en-US"/>
           </a:p>
@@ -2087,7 +2083,7 @@
           <a:p>
             <a:fld id="{32F7251A-AE54-443C-B8FE-5F636E835EBF}" type="datetimeFigureOut">
               <a:rPr lang="en-US" smtClean="0"/>
-              <a:t>7/16/2017</a:t>
+              <a:t>1/27/2019</a:t>
             </a:fld>
             <a:endParaRPr lang="en-US"/>
           </a:p>
@@ -2339,7 +2335,7 @@
           <a:p>
             <a:fld id="{32F7251A-AE54-443C-B8FE-5F636E835EBF}" type="datetimeFigureOut">
               <a:rPr lang="en-US" smtClean="0"/>
-              <a:t>7/16/2017</a:t>
+              <a:t>1/27/2019</a:t>
             </a:fld>
             <a:endParaRPr lang="en-US"/>
           </a:p>
@@ -2553,7 +2549,7 @@
           <a:p>
             <a:fld id="{32F7251A-AE54-443C-B8FE-5F636E835EBF}" type="datetimeFigureOut">
               <a:rPr lang="en-US" smtClean="0"/>
-              <a:t>7/16/2017</a:t>
+              <a:t>1/27/2019</a:t>
             </a:fld>
             <a:endParaRPr lang="en-US"/>
           </a:p>

--- a/22 - All Creatures of our God and King.pptx
+++ b/22 - All Creatures of our God and King.pptx
@@ -244,7 +244,7 @@
           <a:p>
             <a:fld id="{32F7251A-AE54-443C-B8FE-5F636E835EBF}" type="datetimeFigureOut">
               <a:rPr lang="en-US" smtClean="0"/>
-              <a:t>1/27/2019</a:t>
+              <a:t>3/15/2020</a:t>
             </a:fld>
             <a:endParaRPr lang="en-US"/>
           </a:p>
@@ -412,7 +412,7 @@
           <a:p>
             <a:fld id="{32F7251A-AE54-443C-B8FE-5F636E835EBF}" type="datetimeFigureOut">
               <a:rPr lang="en-US" smtClean="0"/>
-              <a:t>1/27/2019</a:t>
+              <a:t>3/15/2020</a:t>
             </a:fld>
             <a:endParaRPr lang="en-US"/>
           </a:p>
@@ -590,7 +590,7 @@
           <a:p>
             <a:fld id="{32F7251A-AE54-443C-B8FE-5F636E835EBF}" type="datetimeFigureOut">
               <a:rPr lang="en-US" smtClean="0"/>
-              <a:t>1/27/2019</a:t>
+              <a:t>3/15/2020</a:t>
             </a:fld>
             <a:endParaRPr lang="en-US"/>
           </a:p>
@@ -758,7 +758,7 @@
           <a:p>
             <a:fld id="{32F7251A-AE54-443C-B8FE-5F636E835EBF}" type="datetimeFigureOut">
               <a:rPr lang="en-US" smtClean="0"/>
-              <a:t>1/27/2019</a:t>
+              <a:t>3/15/2020</a:t>
             </a:fld>
             <a:endParaRPr lang="en-US"/>
           </a:p>
@@ -1003,7 +1003,7 @@
           <a:p>
             <a:fld id="{32F7251A-AE54-443C-B8FE-5F636E835EBF}" type="datetimeFigureOut">
               <a:rPr lang="en-US" smtClean="0"/>
-              <a:t>1/27/2019</a:t>
+              <a:t>3/15/2020</a:t>
             </a:fld>
             <a:endParaRPr lang="en-US"/>
           </a:p>
@@ -1232,7 +1232,7 @@
           <a:p>
             <a:fld id="{32F7251A-AE54-443C-B8FE-5F636E835EBF}" type="datetimeFigureOut">
               <a:rPr lang="en-US" smtClean="0"/>
-              <a:t>1/27/2019</a:t>
+              <a:t>3/15/2020</a:t>
             </a:fld>
             <a:endParaRPr lang="en-US"/>
           </a:p>
@@ -1596,7 +1596,7 @@
           <a:p>
             <a:fld id="{32F7251A-AE54-443C-B8FE-5F636E835EBF}" type="datetimeFigureOut">
               <a:rPr lang="en-US" smtClean="0"/>
-              <a:t>1/27/2019</a:t>
+              <a:t>3/15/2020</a:t>
             </a:fld>
             <a:endParaRPr lang="en-US"/>
           </a:p>
@@ -1713,7 +1713,7 @@
           <a:p>
             <a:fld id="{32F7251A-AE54-443C-B8FE-5F636E835EBF}" type="datetimeFigureOut">
               <a:rPr lang="en-US" smtClean="0"/>
-              <a:t>1/27/2019</a:t>
+              <a:t>3/15/2020</a:t>
             </a:fld>
             <a:endParaRPr lang="en-US"/>
           </a:p>
@@ -1808,7 +1808,7 @@
           <a:p>
             <a:fld id="{32F7251A-AE54-443C-B8FE-5F636E835EBF}" type="datetimeFigureOut">
               <a:rPr lang="en-US" smtClean="0"/>
-              <a:t>1/27/2019</a:t>
+              <a:t>3/15/2020</a:t>
             </a:fld>
             <a:endParaRPr lang="en-US"/>
           </a:p>
@@ -2083,7 +2083,7 @@
           <a:p>
             <a:fld id="{32F7251A-AE54-443C-B8FE-5F636E835EBF}" type="datetimeFigureOut">
               <a:rPr lang="en-US" smtClean="0"/>
-              <a:t>1/27/2019</a:t>
+              <a:t>3/15/2020</a:t>
             </a:fld>
             <a:endParaRPr lang="en-US"/>
           </a:p>
@@ -2335,7 +2335,7 @@
           <a:p>
             <a:fld id="{32F7251A-AE54-443C-B8FE-5F636E835EBF}" type="datetimeFigureOut">
               <a:rPr lang="en-US" smtClean="0"/>
-              <a:t>1/27/2019</a:t>
+              <a:t>3/15/2020</a:t>
             </a:fld>
             <a:endParaRPr lang="en-US"/>
           </a:p>
@@ -2402,7 +2402,9 @@
     <p:bg>
       <p:bgPr>
         <a:solidFill>
-          <a:srgbClr val="333333"/>
+          <a:schemeClr val="bg1">
+            <a:lumMod val="10000"/>
+          </a:schemeClr>
         </a:solidFill>
         <a:effectLst/>
       </p:bgPr>
@@ -2549,7 +2551,7 @@
           <a:p>
             <a:fld id="{32F7251A-AE54-443C-B8FE-5F636E835EBF}" type="datetimeFigureOut">
               <a:rPr lang="en-US" smtClean="0"/>
-              <a:t>1/27/2019</a:t>
+              <a:t>3/15/2020</a:t>
             </a:fld>
             <a:endParaRPr lang="en-US"/>
           </a:p>
@@ -3019,8 +3021,8 @@
         </p:nvSpPr>
         <p:spPr>
           <a:xfrm>
-            <a:off x="0" y="5804209"/>
-            <a:ext cx="12192000" cy="830997"/>
+            <a:off x="0" y="5958097"/>
+            <a:ext cx="12192000" cy="523220"/>
           </a:xfrm>
           <a:prstGeom prst="rect">
             <a:avLst/>
@@ -3031,15 +3033,23 @@
           <a:bodyPr wrap="square" rtlCol="0" anchor="ctr">
             <a:spAutoFit/>
           </a:bodyPr>
-          <a:lstStyle/>
-          <a:p>
-            <a:pPr algn="ctr"/>
-            <a:r>
-              <a:rPr lang="en-US" sz="4800" dirty="0">
+          <a:lstStyle>
+            <a:defPPr>
+              <a:defRPr lang="en-US"/>
+            </a:defPPr>
+            <a:lvl1pPr algn="ctr">
+              <a:defRPr sz="3200" u="sng" spc="50">
                 <a:solidFill>
                   <a:schemeClr val="bg1"/>
                 </a:solidFill>
-              </a:rPr>
+                <a:latin typeface="Assistant SemiBold" panose="00000700000000000000" pitchFamily="2" charset="-79"/>
+                <a:cs typeface="Assistant SemiBold" panose="00000700000000000000" pitchFamily="2" charset="-79"/>
+              </a:defRPr>
+            </a:lvl1pPr>
+          </a:lstStyle>
+          <a:p>
+            <a:r>
+              <a:rPr lang="en-US" dirty="0"/>
               <a:t>“All Creatures of our God and King”</a:t>
             </a:r>
           </a:p>
@@ -3053,8 +3063,8 @@
         </p:nvSpPr>
         <p:spPr>
           <a:xfrm>
-            <a:off x="0" y="567505"/>
-            <a:ext cx="12192000" cy="4524315"/>
+            <a:off x="0" y="911889"/>
+            <a:ext cx="12192000" cy="3539430"/>
           </a:xfrm>
           <a:prstGeom prst="rect">
             <a:avLst/>
@@ -3069,10 +3079,12 @@
           <a:p>
             <a:pPr algn="ctr"/>
             <a:r>
-              <a:rPr lang="en-US" sz="3600" dirty="0">
+              <a:rPr lang="en-US" sz="2800" spc="50" dirty="0">
                 <a:solidFill>
                   <a:schemeClr val="bg1"/>
                 </a:solidFill>
+                <a:latin typeface="Assistant" panose="00000500000000000000" pitchFamily="2" charset="-79"/>
+                <a:cs typeface="Assistant" panose="00000500000000000000" pitchFamily="2" charset="-79"/>
               </a:rPr>
               <a:t>All creatures of our God and King,</a:t>
             </a:r>
@@ -3080,10 +3092,12 @@
           <a:p>
             <a:pPr algn="ctr"/>
             <a:r>
-              <a:rPr lang="en-US" sz="3600" dirty="0">
+              <a:rPr lang="en-US" sz="2800" spc="50" dirty="0">
                 <a:solidFill>
                   <a:schemeClr val="bg1"/>
                 </a:solidFill>
+                <a:latin typeface="Assistant" panose="00000500000000000000" pitchFamily="2" charset="-79"/>
+                <a:cs typeface="Assistant" panose="00000500000000000000" pitchFamily="2" charset="-79"/>
               </a:rPr>
               <a:t>Lift up your voices, with us sing!</a:t>
             </a:r>
@@ -3091,29 +3105,35 @@
           <a:p>
             <a:pPr algn="ctr"/>
             <a:r>
-              <a:rPr lang="en-US" sz="3600" dirty="0">
+              <a:rPr lang="en-US" sz="2800" spc="50" dirty="0">
                 <a:solidFill>
                   <a:schemeClr val="bg1"/>
                 </a:solidFill>
+                <a:latin typeface="Assistant" panose="00000500000000000000" pitchFamily="2" charset="-79"/>
+                <a:cs typeface="Assistant" panose="00000500000000000000" pitchFamily="2" charset="-79"/>
               </a:rPr>
               <a:t>Alleluia!  Alleluia!</a:t>
             </a:r>
           </a:p>
           <a:p>
             <a:pPr algn="ctr"/>
-            <a:endParaRPr lang="en-US" sz="3600" dirty="0">
+            <a:endParaRPr lang="en-US" sz="2800" spc="50" dirty="0">
               <a:solidFill>
                 <a:schemeClr val="bg1"/>
               </a:solidFill>
+              <a:latin typeface="Assistant" panose="00000500000000000000" pitchFamily="2" charset="-79"/>
+              <a:cs typeface="Assistant" panose="00000500000000000000" pitchFamily="2" charset="-79"/>
             </a:endParaRPr>
           </a:p>
           <a:p>
             <a:pPr algn="ctr"/>
             <a:r>
-              <a:rPr lang="en-US" sz="3600" dirty="0">
+              <a:rPr lang="en-US" sz="2800" spc="50" dirty="0">
                 <a:solidFill>
                   <a:schemeClr val="bg1"/>
                 </a:solidFill>
+                <a:latin typeface="Assistant" panose="00000500000000000000" pitchFamily="2" charset="-79"/>
+                <a:cs typeface="Assistant" panose="00000500000000000000" pitchFamily="2" charset="-79"/>
               </a:rPr>
               <a:t>Thou burning sun with golden beam,</a:t>
             </a:r>
@@ -3121,10 +3141,12 @@
           <a:p>
             <a:pPr algn="ctr"/>
             <a:r>
-              <a:rPr lang="en-US" sz="3600" dirty="0">
+              <a:rPr lang="en-US" sz="2800" spc="50" dirty="0">
                 <a:solidFill>
                   <a:schemeClr val="bg1"/>
                 </a:solidFill>
+                <a:latin typeface="Assistant" panose="00000500000000000000" pitchFamily="2" charset="-79"/>
+                <a:cs typeface="Assistant" panose="00000500000000000000" pitchFamily="2" charset="-79"/>
               </a:rPr>
               <a:t>Thou silver moon with softer gleam!</a:t>
             </a:r>
@@ -3132,10 +3154,12 @@
           <a:p>
             <a:pPr algn="ctr"/>
             <a:r>
-              <a:rPr lang="en-US" sz="3600" dirty="0">
+              <a:rPr lang="en-US" sz="2800" spc="50" dirty="0">
                 <a:solidFill>
                   <a:schemeClr val="bg1"/>
                 </a:solidFill>
+                <a:latin typeface="Assistant" panose="00000500000000000000" pitchFamily="2" charset="-79"/>
+                <a:cs typeface="Assistant" panose="00000500000000000000" pitchFamily="2" charset="-79"/>
               </a:rPr>
               <a:t>O praise Him, O praise Him!</a:t>
             </a:r>
@@ -3143,10 +3167,12 @@
           <a:p>
             <a:pPr algn="ctr"/>
             <a:r>
-              <a:rPr lang="en-US" sz="3600" dirty="0">
+              <a:rPr lang="en-US" sz="2800" spc="50" dirty="0">
                 <a:solidFill>
                   <a:schemeClr val="bg1"/>
                 </a:solidFill>
+                <a:latin typeface="Assistant" panose="00000500000000000000" pitchFamily="2" charset="-79"/>
+                <a:cs typeface="Assistant" panose="00000500000000000000" pitchFamily="2" charset="-79"/>
               </a:rPr>
               <a:t>Alleluia!  Alleluia!  Alleluia!</a:t>
             </a:r>
@@ -3248,8 +3274,8 @@
         </p:nvSpPr>
         <p:spPr>
           <a:xfrm>
-            <a:off x="0" y="5804209"/>
-            <a:ext cx="12192000" cy="830997"/>
+            <a:off x="0" y="5958097"/>
+            <a:ext cx="12192000" cy="523220"/>
           </a:xfrm>
           <a:prstGeom prst="rect">
             <a:avLst/>
@@ -3260,15 +3286,23 @@
           <a:bodyPr wrap="square" rtlCol="0" anchor="ctr">
             <a:spAutoFit/>
           </a:bodyPr>
-          <a:lstStyle/>
-          <a:p>
-            <a:pPr algn="ctr"/>
-            <a:r>
-              <a:rPr lang="en-US" sz="4800" dirty="0">
+          <a:lstStyle>
+            <a:defPPr>
+              <a:defRPr lang="en-US"/>
+            </a:defPPr>
+            <a:lvl1pPr algn="ctr">
+              <a:defRPr sz="3200" u="sng" spc="50">
                 <a:solidFill>
                   <a:schemeClr val="bg1"/>
                 </a:solidFill>
-              </a:rPr>
+                <a:latin typeface="Assistant SemiBold" panose="00000700000000000000" pitchFamily="2" charset="-79"/>
+                <a:cs typeface="Assistant SemiBold" panose="00000700000000000000" pitchFamily="2" charset="-79"/>
+              </a:defRPr>
+            </a:lvl1pPr>
+          </a:lstStyle>
+          <a:p>
+            <a:r>
+              <a:rPr lang="en-US" dirty="0"/>
               <a:t>“All Creatures of our God and King”</a:t>
             </a:r>
           </a:p>
@@ -3282,8 +3316,8 @@
         </p:nvSpPr>
         <p:spPr>
           <a:xfrm>
-            <a:off x="0" y="567505"/>
-            <a:ext cx="12192000" cy="4524315"/>
+            <a:off x="0" y="1030642"/>
+            <a:ext cx="12192000" cy="3539430"/>
           </a:xfrm>
           <a:prstGeom prst="rect">
             <a:avLst/>
@@ -3298,10 +3332,12 @@
           <a:p>
             <a:pPr algn="ctr"/>
             <a:r>
-              <a:rPr lang="en-US" sz="3600" dirty="0">
+              <a:rPr lang="en-US" sz="2800" spc="50" dirty="0">
                 <a:solidFill>
                   <a:schemeClr val="bg1"/>
                 </a:solidFill>
+                <a:latin typeface="Assistant" panose="00000500000000000000" pitchFamily="2" charset="-79"/>
+                <a:cs typeface="Assistant" panose="00000500000000000000" pitchFamily="2" charset="-79"/>
               </a:rPr>
               <a:t>Dear mother earth, who day by day</a:t>
             </a:r>
@@ -3309,18 +3345,22 @@
           <a:p>
             <a:pPr algn="ctr"/>
             <a:r>
-              <a:rPr lang="en-US" sz="3600" dirty="0" err="1">
+              <a:rPr lang="en-US" sz="2800" spc="50" dirty="0" err="1">
                 <a:solidFill>
                   <a:schemeClr val="bg1"/>
                 </a:solidFill>
+                <a:latin typeface="Assistant" panose="00000500000000000000" pitchFamily="2" charset="-79"/>
+                <a:cs typeface="Assistant" panose="00000500000000000000" pitchFamily="2" charset="-79"/>
               </a:rPr>
               <a:t>Unfoldest</a:t>
             </a:r>
             <a:r>
-              <a:rPr lang="en-US" sz="3600" dirty="0">
+              <a:rPr lang="en-US" sz="2800" spc="50" dirty="0">
                 <a:solidFill>
                   <a:schemeClr val="bg1"/>
                 </a:solidFill>
+                <a:latin typeface="Assistant" panose="00000500000000000000" pitchFamily="2" charset="-79"/>
+                <a:cs typeface="Assistant" panose="00000500000000000000" pitchFamily="2" charset="-79"/>
               </a:rPr>
               <a:t> blessings on our way,</a:t>
             </a:r>
@@ -3328,29 +3368,35 @@
           <a:p>
             <a:pPr algn="ctr"/>
             <a:r>
-              <a:rPr lang="en-US" sz="3600" dirty="0">
+              <a:rPr lang="en-US" sz="2800" spc="50" dirty="0">
                 <a:solidFill>
                   <a:schemeClr val="bg1"/>
                 </a:solidFill>
+                <a:latin typeface="Assistant" panose="00000500000000000000" pitchFamily="2" charset="-79"/>
+                <a:cs typeface="Assistant" panose="00000500000000000000" pitchFamily="2" charset="-79"/>
               </a:rPr>
               <a:t>O praise Him!  Alleluia!</a:t>
             </a:r>
           </a:p>
           <a:p>
             <a:pPr algn="ctr"/>
-            <a:endParaRPr lang="en-US" sz="3600" dirty="0">
+            <a:endParaRPr lang="en-US" sz="2800" spc="50" dirty="0">
               <a:solidFill>
                 <a:schemeClr val="bg1"/>
               </a:solidFill>
+              <a:latin typeface="Assistant" panose="00000500000000000000" pitchFamily="2" charset="-79"/>
+              <a:cs typeface="Assistant" panose="00000500000000000000" pitchFamily="2" charset="-79"/>
             </a:endParaRPr>
           </a:p>
           <a:p>
             <a:pPr algn="ctr"/>
             <a:r>
-              <a:rPr lang="en-US" sz="3600" dirty="0">
+              <a:rPr lang="en-US" sz="2800" spc="50" dirty="0">
                 <a:solidFill>
                   <a:schemeClr val="bg1"/>
                 </a:solidFill>
+                <a:latin typeface="Assistant" panose="00000500000000000000" pitchFamily="2" charset="-79"/>
+                <a:cs typeface="Assistant" panose="00000500000000000000" pitchFamily="2" charset="-79"/>
               </a:rPr>
               <a:t>The flowers and fruits that in thee grow,</a:t>
             </a:r>
@@ -3358,10 +3404,12 @@
           <a:p>
             <a:pPr algn="ctr"/>
             <a:r>
-              <a:rPr lang="en-US" sz="3600" dirty="0">
+              <a:rPr lang="en-US" sz="2800" spc="50" dirty="0">
                 <a:solidFill>
                   <a:schemeClr val="bg1"/>
                 </a:solidFill>
+                <a:latin typeface="Assistant" panose="00000500000000000000" pitchFamily="2" charset="-79"/>
+                <a:cs typeface="Assistant" panose="00000500000000000000" pitchFamily="2" charset="-79"/>
               </a:rPr>
               <a:t>Let them His glory also show!</a:t>
             </a:r>
@@ -3369,10 +3417,12 @@
           <a:p>
             <a:pPr algn="ctr"/>
             <a:r>
-              <a:rPr lang="en-US" sz="3600" dirty="0">
+              <a:rPr lang="en-US" sz="2800" spc="50" dirty="0">
                 <a:solidFill>
                   <a:schemeClr val="bg1"/>
                 </a:solidFill>
+                <a:latin typeface="Assistant" panose="00000500000000000000" pitchFamily="2" charset="-79"/>
+                <a:cs typeface="Assistant" panose="00000500000000000000" pitchFamily="2" charset="-79"/>
               </a:rPr>
               <a:t>O praise Him, O praise Him!</a:t>
             </a:r>
@@ -3380,10 +3430,12 @@
           <a:p>
             <a:pPr algn="ctr"/>
             <a:r>
-              <a:rPr lang="en-US" sz="3600" dirty="0">
+              <a:rPr lang="en-US" sz="2800" spc="50" dirty="0">
                 <a:solidFill>
                   <a:schemeClr val="bg1"/>
                 </a:solidFill>
+                <a:latin typeface="Assistant" panose="00000500000000000000" pitchFamily="2" charset="-79"/>
+                <a:cs typeface="Assistant" panose="00000500000000000000" pitchFamily="2" charset="-79"/>
               </a:rPr>
               <a:t>Alleluia!  Alleluia!  Alleluia!</a:t>
             </a:r>
@@ -3485,8 +3537,8 @@
         </p:nvSpPr>
         <p:spPr>
           <a:xfrm>
-            <a:off x="0" y="5804209"/>
-            <a:ext cx="12192000" cy="830997"/>
+            <a:off x="0" y="5958097"/>
+            <a:ext cx="12192000" cy="523220"/>
           </a:xfrm>
           <a:prstGeom prst="rect">
             <a:avLst/>
@@ -3497,15 +3549,23 @@
           <a:bodyPr wrap="square" rtlCol="0" anchor="ctr">
             <a:spAutoFit/>
           </a:bodyPr>
-          <a:lstStyle/>
-          <a:p>
-            <a:pPr algn="ctr"/>
-            <a:r>
-              <a:rPr lang="en-US" sz="4800" dirty="0">
+          <a:lstStyle>
+            <a:defPPr>
+              <a:defRPr lang="en-US"/>
+            </a:defPPr>
+            <a:lvl1pPr algn="ctr">
+              <a:defRPr sz="3200" u="sng" spc="50">
                 <a:solidFill>
                   <a:schemeClr val="bg1"/>
                 </a:solidFill>
-              </a:rPr>
+                <a:latin typeface="Assistant SemiBold" panose="00000700000000000000" pitchFamily="2" charset="-79"/>
+                <a:cs typeface="Assistant SemiBold" panose="00000700000000000000" pitchFamily="2" charset="-79"/>
+              </a:defRPr>
+            </a:lvl1pPr>
+          </a:lstStyle>
+          <a:p>
+            <a:r>
+              <a:rPr lang="en-US" dirty="0"/>
               <a:t>“All Creatures of our God and King”</a:t>
             </a:r>
           </a:p>
@@ -3519,8 +3579,8 @@
         </p:nvSpPr>
         <p:spPr>
           <a:xfrm>
-            <a:off x="0" y="567505"/>
-            <a:ext cx="12192000" cy="4524315"/>
+            <a:off x="0" y="1066268"/>
+            <a:ext cx="12192000" cy="3539430"/>
           </a:xfrm>
           <a:prstGeom prst="rect">
             <a:avLst/>
@@ -3535,10 +3595,12 @@
           <a:p>
             <a:pPr algn="ctr"/>
             <a:r>
-              <a:rPr lang="en-US" sz="3600" dirty="0">
+              <a:rPr lang="en-US" sz="2800" spc="50" dirty="0">
                 <a:solidFill>
                   <a:schemeClr val="bg1"/>
                 </a:solidFill>
+                <a:latin typeface="Assistant" panose="00000500000000000000" pitchFamily="2" charset="-79"/>
+                <a:cs typeface="Assistant" panose="00000500000000000000" pitchFamily="2" charset="-79"/>
               </a:rPr>
               <a:t>And all ye men of tender heart,</a:t>
             </a:r>
@@ -3546,10 +3608,12 @@
           <a:p>
             <a:pPr algn="ctr"/>
             <a:r>
-              <a:rPr lang="en-US" sz="3600" dirty="0">
+              <a:rPr lang="en-US" sz="2800" spc="50" dirty="0">
                 <a:solidFill>
                   <a:schemeClr val="bg1"/>
                 </a:solidFill>
+                <a:latin typeface="Assistant" panose="00000500000000000000" pitchFamily="2" charset="-79"/>
+                <a:cs typeface="Assistant" panose="00000500000000000000" pitchFamily="2" charset="-79"/>
               </a:rPr>
               <a:t>Forgiving others, take your part.</a:t>
             </a:r>
@@ -3557,29 +3621,35 @@
           <a:p>
             <a:pPr algn="ctr"/>
             <a:r>
-              <a:rPr lang="en-US" sz="3600" dirty="0">
+              <a:rPr lang="en-US" sz="2800" spc="50" dirty="0">
                 <a:solidFill>
                   <a:schemeClr val="bg1"/>
                 </a:solidFill>
+                <a:latin typeface="Assistant" panose="00000500000000000000" pitchFamily="2" charset="-79"/>
+                <a:cs typeface="Assistant" panose="00000500000000000000" pitchFamily="2" charset="-79"/>
               </a:rPr>
               <a:t>O sing ye!  Alleluia!</a:t>
             </a:r>
           </a:p>
           <a:p>
             <a:pPr algn="ctr"/>
-            <a:endParaRPr lang="en-US" sz="3600" dirty="0">
+            <a:endParaRPr lang="en-US" sz="2800" spc="50" dirty="0">
               <a:solidFill>
                 <a:schemeClr val="bg1"/>
               </a:solidFill>
+              <a:latin typeface="Assistant" panose="00000500000000000000" pitchFamily="2" charset="-79"/>
+              <a:cs typeface="Assistant" panose="00000500000000000000" pitchFamily="2" charset="-79"/>
             </a:endParaRPr>
           </a:p>
           <a:p>
             <a:pPr algn="ctr"/>
             <a:r>
-              <a:rPr lang="en-US" sz="3600" dirty="0">
+              <a:rPr lang="en-US" sz="2800" spc="50" dirty="0">
                 <a:solidFill>
                   <a:schemeClr val="bg1"/>
                 </a:solidFill>
+                <a:latin typeface="Assistant" panose="00000500000000000000" pitchFamily="2" charset="-79"/>
+                <a:cs typeface="Assistant" panose="00000500000000000000" pitchFamily="2" charset="-79"/>
               </a:rPr>
               <a:t>Ye who long pain and sorrow bear,</a:t>
             </a:r>
@@ -3587,10 +3657,12 @@
           <a:p>
             <a:pPr algn="ctr"/>
             <a:r>
-              <a:rPr lang="en-US" sz="3600" dirty="0">
+              <a:rPr lang="en-US" sz="2800" spc="50" dirty="0">
                 <a:solidFill>
                   <a:schemeClr val="bg1"/>
                 </a:solidFill>
+                <a:latin typeface="Assistant" panose="00000500000000000000" pitchFamily="2" charset="-79"/>
+                <a:cs typeface="Assistant" panose="00000500000000000000" pitchFamily="2" charset="-79"/>
               </a:rPr>
               <a:t>Praise God and on Him cast your care!</a:t>
             </a:r>
@@ -3598,10 +3670,12 @@
           <a:p>
             <a:pPr algn="ctr"/>
             <a:r>
-              <a:rPr lang="en-US" sz="3600" dirty="0">
+              <a:rPr lang="en-US" sz="2800" spc="50" dirty="0">
                 <a:solidFill>
                   <a:schemeClr val="bg1"/>
                 </a:solidFill>
+                <a:latin typeface="Assistant" panose="00000500000000000000" pitchFamily="2" charset="-79"/>
+                <a:cs typeface="Assistant" panose="00000500000000000000" pitchFamily="2" charset="-79"/>
               </a:rPr>
               <a:t>O praise Him, O praise Him!</a:t>
             </a:r>
@@ -3609,10 +3683,12 @@
           <a:p>
             <a:pPr algn="ctr"/>
             <a:r>
-              <a:rPr lang="en-US" sz="3600" dirty="0">
+              <a:rPr lang="en-US" sz="2800" spc="50" dirty="0">
                 <a:solidFill>
                   <a:schemeClr val="bg1"/>
                 </a:solidFill>
+                <a:latin typeface="Assistant" panose="00000500000000000000" pitchFamily="2" charset="-79"/>
+                <a:cs typeface="Assistant" panose="00000500000000000000" pitchFamily="2" charset="-79"/>
               </a:rPr>
               <a:t>Alleluia!  Alleluia!  Alleluia!</a:t>
             </a:r>
@@ -3714,8 +3790,8 @@
         </p:nvSpPr>
         <p:spPr>
           <a:xfrm>
-            <a:off x="0" y="5804209"/>
-            <a:ext cx="12192000" cy="830997"/>
+            <a:off x="0" y="5927320"/>
+            <a:ext cx="12192000" cy="584775"/>
           </a:xfrm>
           <a:prstGeom prst="rect">
             <a:avLst/>
@@ -3730,10 +3806,12 @@
           <a:p>
             <a:pPr algn="ctr"/>
             <a:r>
-              <a:rPr lang="en-US" sz="4800" dirty="0">
+              <a:rPr lang="en-US" sz="3200" u="sng" spc="50" dirty="0">
                 <a:solidFill>
                   <a:schemeClr val="bg1"/>
                 </a:solidFill>
+                <a:latin typeface="Assistant SemiBold" panose="00000700000000000000" pitchFamily="2" charset="-79"/>
+                <a:cs typeface="Assistant SemiBold" panose="00000700000000000000" pitchFamily="2" charset="-79"/>
               </a:rPr>
               <a:t>“All Creatures of our God and King”</a:t>
             </a:r>
@@ -3748,8 +3826,8 @@
         </p:nvSpPr>
         <p:spPr>
           <a:xfrm>
-            <a:off x="0" y="567505"/>
-            <a:ext cx="12192000" cy="4524315"/>
+            <a:off x="0" y="1113770"/>
+            <a:ext cx="12192000" cy="3539430"/>
           </a:xfrm>
           <a:prstGeom prst="rect">
             <a:avLst/>
@@ -3764,10 +3842,12 @@
           <a:p>
             <a:pPr algn="ctr"/>
             <a:r>
-              <a:rPr lang="en-US" sz="3600" dirty="0">
+              <a:rPr lang="en-US" sz="2800" spc="50" dirty="0">
                 <a:solidFill>
                   <a:schemeClr val="bg1"/>
                 </a:solidFill>
+                <a:latin typeface="Assistant" panose="00000500000000000000" pitchFamily="2" charset="-79"/>
+                <a:cs typeface="Assistant" panose="00000500000000000000" pitchFamily="2" charset="-79"/>
               </a:rPr>
               <a:t>Let all things their Creator bless</a:t>
             </a:r>
@@ -3775,10 +3855,12 @@
           <a:p>
             <a:pPr algn="ctr"/>
             <a:r>
-              <a:rPr lang="en-US" sz="3600" dirty="0">
+              <a:rPr lang="en-US" sz="2800" spc="50" dirty="0">
                 <a:solidFill>
                   <a:schemeClr val="bg1"/>
                 </a:solidFill>
+                <a:latin typeface="Assistant" panose="00000500000000000000" pitchFamily="2" charset="-79"/>
+                <a:cs typeface="Assistant" panose="00000500000000000000" pitchFamily="2" charset="-79"/>
               </a:rPr>
               <a:t>And worship Him in humbleness.</a:t>
             </a:r>
@@ -3786,29 +3868,35 @@
           <a:p>
             <a:pPr algn="ctr"/>
             <a:r>
-              <a:rPr lang="en-US" sz="3600" dirty="0">
+              <a:rPr lang="en-US" sz="2800" spc="50" dirty="0">
                 <a:solidFill>
                   <a:schemeClr val="bg1"/>
                 </a:solidFill>
+                <a:latin typeface="Assistant" panose="00000500000000000000" pitchFamily="2" charset="-79"/>
+                <a:cs typeface="Assistant" panose="00000500000000000000" pitchFamily="2" charset="-79"/>
               </a:rPr>
               <a:t>O praise Him!  Alleluia!</a:t>
             </a:r>
           </a:p>
           <a:p>
             <a:pPr algn="ctr"/>
-            <a:endParaRPr lang="en-US" sz="3600" dirty="0">
+            <a:endParaRPr lang="en-US" sz="2800" spc="50" dirty="0">
               <a:solidFill>
                 <a:schemeClr val="bg1"/>
               </a:solidFill>
+              <a:latin typeface="Assistant" panose="00000500000000000000" pitchFamily="2" charset="-79"/>
+              <a:cs typeface="Assistant" panose="00000500000000000000" pitchFamily="2" charset="-79"/>
             </a:endParaRPr>
           </a:p>
           <a:p>
             <a:pPr algn="ctr"/>
             <a:r>
-              <a:rPr lang="en-US" sz="3600" dirty="0">
+              <a:rPr lang="en-US" sz="2800" spc="50" dirty="0">
                 <a:solidFill>
                   <a:schemeClr val="bg1"/>
                 </a:solidFill>
+                <a:latin typeface="Assistant" panose="00000500000000000000" pitchFamily="2" charset="-79"/>
+                <a:cs typeface="Assistant" panose="00000500000000000000" pitchFamily="2" charset="-79"/>
               </a:rPr>
               <a:t>Praise, praise the Father, praise the Son,</a:t>
             </a:r>
@@ -3816,10 +3904,12 @@
           <a:p>
             <a:pPr algn="ctr"/>
             <a:r>
-              <a:rPr lang="en-US" sz="3600" dirty="0">
+              <a:rPr lang="en-US" sz="2800" spc="50" dirty="0">
                 <a:solidFill>
                   <a:schemeClr val="bg1"/>
                 </a:solidFill>
+                <a:latin typeface="Assistant" panose="00000500000000000000" pitchFamily="2" charset="-79"/>
+                <a:cs typeface="Assistant" panose="00000500000000000000" pitchFamily="2" charset="-79"/>
               </a:rPr>
               <a:t>And praise the Spirit, Three in One!</a:t>
             </a:r>
@@ -3827,10 +3917,12 @@
           <a:p>
             <a:pPr algn="ctr"/>
             <a:r>
-              <a:rPr lang="en-US" sz="3600" dirty="0">
+              <a:rPr lang="en-US" sz="2800" spc="50" dirty="0">
                 <a:solidFill>
                   <a:schemeClr val="bg1"/>
                 </a:solidFill>
+                <a:latin typeface="Assistant" panose="00000500000000000000" pitchFamily="2" charset="-79"/>
+                <a:cs typeface="Assistant" panose="00000500000000000000" pitchFamily="2" charset="-79"/>
               </a:rPr>
               <a:t>O praise Him, O praise Him!</a:t>
             </a:r>
@@ -3838,26 +3930,15 @@
           <a:p>
             <a:pPr algn="ctr"/>
             <a:r>
-              <a:rPr lang="en-US" sz="3600" dirty="0">
+              <a:rPr lang="en-US" sz="2800" spc="50" dirty="0">
                 <a:solidFill>
                   <a:schemeClr val="bg1"/>
                 </a:solidFill>
+                <a:latin typeface="Assistant" panose="00000500000000000000" pitchFamily="2" charset="-79"/>
+                <a:cs typeface="Assistant" panose="00000500000000000000" pitchFamily="2" charset="-79"/>
               </a:rPr>
-              <a:t>Alleluia!  Alleluia!  </a:t>
-            </a:r>
-            <a:r>
-              <a:rPr lang="en-US" sz="3600">
-                <a:solidFill>
-                  <a:schemeClr val="bg1"/>
-                </a:solidFill>
-              </a:rPr>
-              <a:t>Alleluia!</a:t>
-            </a:r>
-            <a:endParaRPr lang="en-US" sz="3600" dirty="0">
-              <a:solidFill>
-                <a:schemeClr val="bg1"/>
-              </a:solidFill>
-            </a:endParaRPr>
+              <a:t>Alleluia!  Alleluia!  Alleluia!</a:t>
+            </a:r>
           </a:p>
         </p:txBody>
       </p:sp>
